--- a/Offline/Marketing/MarketingArtworks/PPTX/PrintNow/Standies-W30XH60-2pgX1pc.pptx
+++ b/Offline/Marketing/MarketingArtworks/PPTX/PrintNow/Standies-W30XH60-2pgX1pc.pptx
@@ -244,7 +244,7 @@
           <a:p>
             <a:fld id="{E3759604-EFD2-4C79-BE13-E71CA39EA512}" type="datetimeFigureOut">
               <a:rPr lang="en-US" smtClean="0"/>
-              <a:t>8/14/2023</a:t>
+              <a:t>8/15/2023</a:t>
             </a:fld>
             <a:endParaRPr lang="en-US"/>
           </a:p>
@@ -414,7 +414,7 @@
           <a:p>
             <a:fld id="{E3759604-EFD2-4C79-BE13-E71CA39EA512}" type="datetimeFigureOut">
               <a:rPr lang="en-US" smtClean="0"/>
-              <a:t>8/14/2023</a:t>
+              <a:t>8/15/2023</a:t>
             </a:fld>
             <a:endParaRPr lang="en-US"/>
           </a:p>
@@ -594,7 +594,7 @@
           <a:p>
             <a:fld id="{E3759604-EFD2-4C79-BE13-E71CA39EA512}" type="datetimeFigureOut">
               <a:rPr lang="en-US" smtClean="0"/>
-              <a:t>8/14/2023</a:t>
+              <a:t>8/15/2023</a:t>
             </a:fld>
             <a:endParaRPr lang="en-US"/>
           </a:p>
@@ -764,7 +764,7 @@
           <a:p>
             <a:fld id="{E3759604-EFD2-4C79-BE13-E71CA39EA512}" type="datetimeFigureOut">
               <a:rPr lang="en-US" smtClean="0"/>
-              <a:t>8/14/2023</a:t>
+              <a:t>8/15/2023</a:t>
             </a:fld>
             <a:endParaRPr lang="en-US"/>
           </a:p>
@@ -1008,7 +1008,7 @@
           <a:p>
             <a:fld id="{E3759604-EFD2-4C79-BE13-E71CA39EA512}" type="datetimeFigureOut">
               <a:rPr lang="en-US" smtClean="0"/>
-              <a:t>8/14/2023</a:t>
+              <a:t>8/15/2023</a:t>
             </a:fld>
             <a:endParaRPr lang="en-US"/>
           </a:p>
@@ -1240,7 +1240,7 @@
           <a:p>
             <a:fld id="{E3759604-EFD2-4C79-BE13-E71CA39EA512}" type="datetimeFigureOut">
               <a:rPr lang="en-US" smtClean="0"/>
-              <a:t>8/14/2023</a:t>
+              <a:t>8/15/2023</a:t>
             </a:fld>
             <a:endParaRPr lang="en-US"/>
           </a:p>
@@ -1607,7 +1607,7 @@
           <a:p>
             <a:fld id="{E3759604-EFD2-4C79-BE13-E71CA39EA512}" type="datetimeFigureOut">
               <a:rPr lang="en-US" smtClean="0"/>
-              <a:t>8/14/2023</a:t>
+              <a:t>8/15/2023</a:t>
             </a:fld>
             <a:endParaRPr lang="en-US"/>
           </a:p>
@@ -1725,7 +1725,7 @@
           <a:p>
             <a:fld id="{E3759604-EFD2-4C79-BE13-E71CA39EA512}" type="datetimeFigureOut">
               <a:rPr lang="en-US" smtClean="0"/>
-              <a:t>8/14/2023</a:t>
+              <a:t>8/15/2023</a:t>
             </a:fld>
             <a:endParaRPr lang="en-US"/>
           </a:p>
@@ -1820,7 +1820,7 @@
           <a:p>
             <a:fld id="{E3759604-EFD2-4C79-BE13-E71CA39EA512}" type="datetimeFigureOut">
               <a:rPr lang="en-US" smtClean="0"/>
-              <a:t>8/14/2023</a:t>
+              <a:t>8/15/2023</a:t>
             </a:fld>
             <a:endParaRPr lang="en-US"/>
           </a:p>
@@ -2097,7 +2097,7 @@
           <a:p>
             <a:fld id="{E3759604-EFD2-4C79-BE13-E71CA39EA512}" type="datetimeFigureOut">
               <a:rPr lang="en-US" smtClean="0"/>
-              <a:t>8/14/2023</a:t>
+              <a:t>8/15/2023</a:t>
             </a:fld>
             <a:endParaRPr lang="en-US"/>
           </a:p>
@@ -2354,7 +2354,7 @@
           <a:p>
             <a:fld id="{E3759604-EFD2-4C79-BE13-E71CA39EA512}" type="datetimeFigureOut">
               <a:rPr lang="en-US" smtClean="0"/>
-              <a:t>8/14/2023</a:t>
+              <a:t>8/15/2023</a:t>
             </a:fld>
             <a:endParaRPr lang="en-US"/>
           </a:p>
@@ -2567,7 +2567,7 @@
           <a:p>
             <a:fld id="{E3759604-EFD2-4C79-BE13-E71CA39EA512}" type="datetimeFigureOut">
               <a:rPr lang="en-US" smtClean="0"/>
-              <a:t>8/14/2023</a:t>
+              <a:t>8/15/2023</a:t>
             </a:fld>
             <a:endParaRPr lang="en-US"/>
           </a:p>
@@ -3084,10 +3084,10 @@
                       <a:alpha val="40000"/>
                     </a:srgbClr>
                   </a:glow>
-                  <a:outerShdw dist="38100" dir="5400000" sy="-20000" rotWithShape="0">
-                    <a:prstClr val="black">
-                      <a:alpha val="0"/>
-                    </a:prstClr>
+                  <a:outerShdw blurRad="38100" dist="38100" dir="2700000" algn="tl">
+                    <a:srgbClr val="000000">
+                      <a:alpha val="43137"/>
+                    </a:srgbClr>
                   </a:outerShdw>
                 </a:effectLst>
                 <a:latin typeface="Oxygen" panose="02000503000000000000" pitchFamily="2" charset="0"/>
@@ -3110,10 +3110,10 @@
                     <a:alpha val="40000"/>
                   </a:srgbClr>
                 </a:glow>
-                <a:outerShdw dist="38100" dir="5400000" sy="-20000" rotWithShape="0">
-                  <a:prstClr val="black">
-                    <a:alpha val="0"/>
-                  </a:prstClr>
+                <a:outerShdw blurRad="38100" dist="38100" dir="2700000" algn="tl">
+                  <a:srgbClr val="000000">
+                    <a:alpha val="43137"/>
+                  </a:srgbClr>
                 </a:outerShdw>
               </a:effectLst>
               <a:latin typeface="Oxygen" panose="02000503000000000000" pitchFamily="2" charset="0"/>
@@ -3167,10 +3167,10 @@
                       <a:alpha val="40000"/>
                     </a:srgbClr>
                   </a:glow>
-                  <a:outerShdw dist="38100" dir="5400000" sy="-20000" rotWithShape="0">
-                    <a:prstClr val="black">
-                      <a:alpha val="0"/>
-                    </a:prstClr>
+                  <a:outerShdw blurRad="38100" dist="38100" dir="2700000" algn="tl">
+                    <a:srgbClr val="000000">
+                      <a:alpha val="43137"/>
+                    </a:srgbClr>
                   </a:outerShdw>
                 </a:effectLst>
                 <a:latin typeface="Oxygen" panose="02000503000000000000" pitchFamily="2" charset="0"/>
@@ -3276,10 +3276,10 @@
                       <a:alpha val="40000"/>
                     </a:srgbClr>
                   </a:glow>
-                  <a:outerShdw dist="38100" dir="5400000" sy="-20000" rotWithShape="0">
-                    <a:prstClr val="black">
-                      <a:alpha val="0"/>
-                    </a:prstClr>
+                  <a:outerShdw blurRad="38100" dist="38100" dir="2700000" algn="tl">
+                    <a:srgbClr val="000000">
+                      <a:alpha val="43137"/>
+                    </a:srgbClr>
                   </a:outerShdw>
                 </a:effectLst>
                 <a:latin typeface="Oxygen" panose="02000503000000000000" pitchFamily="2" charset="0"/>
@@ -3302,10 +3302,10 @@
                     <a:alpha val="40000"/>
                   </a:srgbClr>
                 </a:glow>
-                <a:outerShdw dist="38100" dir="5400000" sy="-20000" rotWithShape="0">
-                  <a:prstClr val="black">
-                    <a:alpha val="0"/>
-                  </a:prstClr>
+                <a:outerShdw blurRad="38100" dist="38100" dir="2700000" algn="tl">
+                  <a:srgbClr val="000000">
+                    <a:alpha val="43137"/>
+                  </a:srgbClr>
                 </a:outerShdw>
               </a:effectLst>
               <a:latin typeface="Oxygen" panose="02000503000000000000" pitchFamily="2" charset="0"/>
@@ -3471,7 +3471,15 @@
           <a:lstStyle/>
           <a:p>
             <a:pPr algn="ctr"/>
-            <a:endParaRPr lang="en-AU"/>
+            <a:endParaRPr lang="en-AU" b="1">
+              <a:effectLst>
+                <a:outerShdw blurRad="38100" dist="38100" dir="2700000" algn="tl">
+                  <a:srgbClr val="000000">
+                    <a:alpha val="43137"/>
+                  </a:srgbClr>
+                </a:outerShdw>
+              </a:effectLst>
+            </a:endParaRPr>
           </a:p>
         </p:txBody>
       </p:sp>
@@ -3508,14 +3516,28 @@
                 <a:solidFill>
                   <a:srgbClr val="0000FF"/>
                 </a:solidFill>
+                <a:effectLst>
+                  <a:outerShdw blurRad="38100" dist="38100" dir="2700000" algn="tl">
+                    <a:srgbClr val="000000">
+                      <a:alpha val="43137"/>
+                    </a:srgbClr>
+                  </a:outerShdw>
+                </a:effectLst>
                 <a:latin typeface="Oxygen" panose="02000503000000000000" pitchFamily="2" charset="0"/>
               </a:rPr>
               <a:t>www.anodiam.com    ||    anirban@anodiam.com</a:t>
             </a:r>
-            <a:endParaRPr lang="en-AU" sz="4800" dirty="0">
+            <a:endParaRPr lang="en-AU" sz="4800" b="1" dirty="0">
               <a:solidFill>
                 <a:srgbClr val="0000FF"/>
               </a:solidFill>
+              <a:effectLst>
+                <a:outerShdw blurRad="38100" dist="38100" dir="2700000" algn="tl">
+                  <a:srgbClr val="000000">
+                    <a:alpha val="43137"/>
+                  </a:srgbClr>
+                </a:outerShdw>
+              </a:effectLst>
             </a:endParaRPr>
           </a:p>
         </p:txBody>
@@ -3551,6 +3573,13 @@
             <a:pPr algn="ctr"/>
             <a:r>
               <a:rPr lang="en-US" sz="5200" b="1" cap="small" dirty="0">
+                <a:effectLst>
+                  <a:outerShdw blurRad="38100" dist="38100" dir="2700000" algn="tl">
+                    <a:srgbClr val="000000">
+                      <a:alpha val="43137"/>
+                    </a:srgbClr>
+                  </a:outerShdw>
+                </a:effectLst>
                 <a:latin typeface="Oxygen" panose="02000503000000000000" pitchFamily="2" charset="0"/>
               </a:rPr>
               <a:t>Finest Teachers, Study Mats, Mock Tests, Doubt Clearing, PTM, Counselling</a:t>
@@ -3560,6 +3589,13 @@
             <a:pPr algn="ctr"/>
             <a:r>
               <a:rPr lang="en-US" sz="5200" b="1" cap="small" dirty="0">
+                <a:effectLst>
+                  <a:outerShdw blurRad="38100" dist="38100" dir="2700000" algn="tl">
+                    <a:srgbClr val="000000">
+                      <a:alpha val="43137"/>
+                    </a:srgbClr>
+                  </a:outerShdw>
+                </a:effectLst>
                 <a:latin typeface="Oxygen" panose="02000503000000000000" pitchFamily="2" charset="0"/>
               </a:rPr>
               <a:t>20 Smart Classrooms, 400+ Courses, AC, CCTV</a:t>
@@ -3569,17 +3605,26 @@
             <a:pPr algn="ctr"/>
             <a:r>
               <a:rPr lang="en-US" sz="5200" b="1" cap="small" dirty="0">
+                <a:effectLst>
+                  <a:outerShdw blurRad="38100" dist="38100" dir="2700000" algn="tl">
+                    <a:srgbClr val="000000">
+                      <a:alpha val="43137"/>
+                    </a:srgbClr>
+                  </a:outerShdw>
+                </a:effectLst>
                 <a:latin typeface="Oxygen" panose="02000503000000000000" pitchFamily="2" charset="0"/>
               </a:rPr>
-              <a:t>Professional Courses are Project-Based, Certification-Oriented </a:t>
-            </a:r>
-            <a:r>
-              <a:rPr lang="en-US" sz="5200" b="1" cap="small">
-                <a:latin typeface="Oxygen" panose="02000503000000000000" pitchFamily="2" charset="0"/>
-              </a:rPr>
-              <a:t>&amp; Job-Focused</a:t>
-            </a:r>
-            <a:endParaRPr lang="en-US" sz="5200" dirty="0"/>
+              <a:t>Professional Courses are Project-Based, Certification-Oriented &amp; Job-Focused</a:t>
+            </a:r>
+            <a:endParaRPr lang="en-US" sz="5200" b="1" dirty="0">
+              <a:effectLst>
+                <a:outerShdw blurRad="38100" dist="38100" dir="2700000" algn="tl">
+                  <a:srgbClr val="000000">
+                    <a:alpha val="43137"/>
+                  </a:srgbClr>
+                </a:outerShdw>
+              </a:effectLst>
+            </a:endParaRPr>
           </a:p>
         </p:txBody>
       </p:sp>
@@ -3674,6 +3719,13 @@
                 <a:solidFill>
                   <a:schemeClr val="bg1"/>
                 </a:solidFill>
+                <a:effectLst>
+                  <a:outerShdw blurRad="38100" dist="38100" dir="2700000" algn="tl">
+                    <a:srgbClr val="000000">
+                      <a:alpha val="43137"/>
+                    </a:srgbClr>
+                  </a:outerShdw>
+                </a:effectLst>
                 <a:latin typeface="Oxygen" panose="02000503000000000000" pitchFamily="2" charset="0"/>
               </a:rPr>
               <a:t>Upto</a:t>
@@ -3683,6 +3735,13 @@
                 <a:solidFill>
                   <a:schemeClr val="bg1"/>
                 </a:solidFill>
+                <a:effectLst>
+                  <a:outerShdw blurRad="38100" dist="38100" dir="2700000" algn="tl">
+                    <a:srgbClr val="000000">
+                      <a:alpha val="43137"/>
+                    </a:srgbClr>
+                  </a:outerShdw>
+                </a:effectLst>
                 <a:latin typeface="Oxygen" panose="02000503000000000000" pitchFamily="2" charset="0"/>
               </a:rPr>
               <a:t> </a:t>
@@ -3692,6 +3751,13 @@
                 <a:solidFill>
                   <a:schemeClr val="bg1"/>
                 </a:solidFill>
+                <a:effectLst>
+                  <a:outerShdw blurRad="38100" dist="38100" dir="2700000" algn="tl">
+                    <a:srgbClr val="000000">
+                      <a:alpha val="43137"/>
+                    </a:srgbClr>
+                  </a:outerShdw>
+                </a:effectLst>
                 <a:latin typeface="Oxygen" panose="02000503000000000000" pitchFamily="2" charset="0"/>
               </a:rPr>
               <a:t>50%</a:t>
@@ -3701,6 +3767,13 @@
                 <a:solidFill>
                   <a:schemeClr val="bg1"/>
                 </a:solidFill>
+                <a:effectLst>
+                  <a:outerShdw blurRad="38100" dist="38100" dir="2700000" algn="tl">
+                    <a:srgbClr val="000000">
+                      <a:alpha val="43137"/>
+                    </a:srgbClr>
+                  </a:outerShdw>
+                </a:effectLst>
                 <a:latin typeface="Oxygen" panose="02000503000000000000" pitchFamily="2" charset="0"/>
               </a:rPr>
               <a:t> </a:t>
@@ -3710,6 +3783,13 @@
                 <a:solidFill>
                   <a:schemeClr val="bg1"/>
                 </a:solidFill>
+                <a:effectLst>
+                  <a:outerShdw blurRad="38100" dist="38100" dir="2700000" algn="tl">
+                    <a:srgbClr val="000000">
+                      <a:alpha val="43137"/>
+                    </a:srgbClr>
+                  </a:outerShdw>
+                </a:effectLst>
                 <a:latin typeface="Oxygen" panose="02000503000000000000" pitchFamily="2" charset="0"/>
               </a:rPr>
               <a:t>Off</a:t>
@@ -3719,6 +3799,13 @@
                 <a:solidFill>
                   <a:schemeClr val="bg1"/>
                 </a:solidFill>
+                <a:effectLst>
+                  <a:outerShdw blurRad="38100" dist="38100" dir="2700000" algn="tl">
+                    <a:srgbClr val="000000">
+                      <a:alpha val="43137"/>
+                    </a:srgbClr>
+                  </a:outerShdw>
+                </a:effectLst>
                 <a:latin typeface="Oxygen" panose="02000503000000000000" pitchFamily="2" charset="0"/>
               </a:rPr>
               <a:t> </a:t>
@@ -3731,6 +3818,13 @@
                 <a:solidFill>
                   <a:schemeClr val="bg1"/>
                 </a:solidFill>
+                <a:effectLst>
+                  <a:outerShdw blurRad="38100" dist="38100" dir="2700000" algn="tl">
+                    <a:srgbClr val="000000">
+                      <a:alpha val="43137"/>
+                    </a:srgbClr>
+                  </a:outerShdw>
+                </a:effectLst>
                 <a:latin typeface="Oxygen" panose="02000503000000000000" pitchFamily="2" charset="0"/>
               </a:rPr>
               <a:t>T&amp;C Apply</a:t>
@@ -3739,6 +3833,13 @@
               <a:solidFill>
                 <a:schemeClr val="bg1"/>
               </a:solidFill>
+              <a:effectLst>
+                <a:outerShdw blurRad="38100" dist="38100" dir="2700000" algn="tl">
+                  <a:srgbClr val="000000">
+                    <a:alpha val="43137"/>
+                  </a:srgbClr>
+                </a:outerShdw>
+              </a:effectLst>
               <a:latin typeface="Oxygen" panose="02000503000000000000" pitchFamily="2" charset="0"/>
             </a:endParaRPr>
           </a:p>
@@ -3837,7 +3938,15 @@
           <a:lstStyle/>
           <a:p>
             <a:pPr algn="ctr"/>
-            <a:endParaRPr lang="en-US"/>
+            <a:endParaRPr lang="en-US" b="1">
+              <a:effectLst>
+                <a:outerShdw blurRad="38100" dist="38100" dir="2700000" algn="tl">
+                  <a:srgbClr val="000000">
+                    <a:alpha val="43137"/>
+                  </a:srgbClr>
+                </a:outerShdw>
+              </a:effectLst>
+            </a:endParaRPr>
           </a:p>
         </p:txBody>
       </p:sp>
@@ -3873,6 +3982,13 @@
                 <a:solidFill>
                   <a:srgbClr val="002060"/>
                 </a:solidFill>
+                <a:effectLst>
+                  <a:outerShdw blurRad="38100" dist="38100" dir="2700000" algn="tl">
+                    <a:srgbClr val="000000">
+                      <a:alpha val="43137"/>
+                    </a:srgbClr>
+                  </a:outerShdw>
+                </a:effectLst>
                 <a:latin typeface="Oxygen" panose="02000503000000000000" pitchFamily="2" charset="0"/>
               </a:rPr>
               <a:t>App Download</a:t>
@@ -4269,7 +4385,15 @@
           <a:lstStyle/>
           <a:p>
             <a:pPr algn="ctr"/>
-            <a:endParaRPr lang="en-US"/>
+            <a:endParaRPr lang="en-US" b="1">
+              <a:effectLst>
+                <a:outerShdw blurRad="38100" dist="38100" dir="2700000" algn="tl">
+                  <a:srgbClr val="000000">
+                    <a:alpha val="43137"/>
+                  </a:srgbClr>
+                </a:outerShdw>
+              </a:effectLst>
+            </a:endParaRPr>
           </a:p>
         </p:txBody>
       </p:sp>
@@ -4382,6 +4506,13 @@
                 <a:solidFill>
                   <a:srgbClr val="002060"/>
                 </a:solidFill>
+                <a:effectLst>
+                  <a:outerShdw blurRad="38100" dist="38100" dir="2700000" algn="tl">
+                    <a:srgbClr val="000000">
+                      <a:alpha val="43137"/>
+                    </a:srgbClr>
+                  </a:outerShdw>
+                </a:effectLst>
                 <a:latin typeface="Oxygen" panose="02000503000000000000" pitchFamily="2" charset="0"/>
               </a:rPr>
               <a:t>Follow</a:t>
@@ -4393,6 +4524,13 @@
                 <a:solidFill>
                   <a:srgbClr val="002060"/>
                 </a:solidFill>
+                <a:effectLst>
+                  <a:outerShdw blurRad="38100" dist="38100" dir="2700000" algn="tl">
+                    <a:srgbClr val="000000">
+                      <a:alpha val="43137"/>
+                    </a:srgbClr>
+                  </a:outerShdw>
+                </a:effectLst>
                 <a:latin typeface="Oxygen" panose="02000503000000000000" pitchFamily="2" charset="0"/>
               </a:rPr>
               <a:t>for Discount</a:t>
@@ -4587,6 +4725,13 @@
                 <a:solidFill>
                   <a:srgbClr val="C00000"/>
                 </a:solidFill>
+                <a:effectLst>
+                  <a:outerShdw blurRad="38100" dist="38100" dir="2700000" algn="tl">
+                    <a:srgbClr val="000000">
+                      <a:alpha val="43137"/>
+                    </a:srgbClr>
+                  </a:outerShdw>
+                </a:effectLst>
                 <a:latin typeface="Oxygen" panose="02000503000000000000" pitchFamily="2" charset="0"/>
               </a:rPr>
               <a:t>ARTIFICIAL INTELLIGENCE – Class III – XII</a:t>
@@ -4603,6 +4748,13 @@
                 <a:solidFill>
                   <a:srgbClr val="C00000"/>
                 </a:solidFill>
+                <a:effectLst>
+                  <a:outerShdw blurRad="38100" dist="38100" dir="2700000" algn="tl">
+                    <a:srgbClr val="000000">
+                      <a:alpha val="43137"/>
+                    </a:srgbClr>
+                  </a:outerShdw>
+                </a:effectLst>
                 <a:latin typeface="Oxygen" panose="02000503000000000000" pitchFamily="2" charset="0"/>
               </a:rPr>
               <a:t>IT &amp; AI Professional Training &amp; Projects</a:t>
@@ -4619,6 +4771,13 @@
                 <a:solidFill>
                   <a:srgbClr val="C00000"/>
                 </a:solidFill>
+                <a:effectLst>
+                  <a:outerShdw blurRad="38100" dist="38100" dir="2700000" algn="tl">
+                    <a:srgbClr val="000000">
+                      <a:alpha val="43137"/>
+                    </a:srgbClr>
+                  </a:outerShdw>
+                </a:effectLst>
                 <a:latin typeface="Oxygen" panose="02000503000000000000" pitchFamily="2" charset="0"/>
               </a:rPr>
               <a:t>VIII-XII - All Subjects &amp; Boards</a:t>
@@ -4635,6 +4794,13 @@
                 <a:solidFill>
                   <a:srgbClr val="C00000"/>
                 </a:solidFill>
+                <a:effectLst>
+                  <a:outerShdw blurRad="38100" dist="38100" dir="2700000" algn="tl">
+                    <a:srgbClr val="000000">
+                      <a:alpha val="43137"/>
+                    </a:srgbClr>
+                  </a:outerShdw>
+                </a:effectLst>
                 <a:latin typeface="Oxygen" panose="02000503000000000000" pitchFamily="2" charset="0"/>
               </a:rPr>
               <a:t>NEET, IIT-JEE (Mains &amp; Advanced)</a:t>
@@ -4651,6 +4817,13 @@
                 <a:solidFill>
                   <a:srgbClr val="C00000"/>
                 </a:solidFill>
+                <a:effectLst>
+                  <a:outerShdw blurRad="38100" dist="38100" dir="2700000" algn="tl">
+                    <a:srgbClr val="000000">
+                      <a:alpha val="43137"/>
+                    </a:srgbClr>
+                  </a:outerShdw>
+                </a:effectLst>
                 <a:latin typeface="Oxygen" panose="02000503000000000000" pitchFamily="2" charset="0"/>
               </a:rPr>
               <a:t>MBA, BBA, BCom, CA, CMA, CS, CFA</a:t>
@@ -4667,6 +4840,13 @@
                 <a:solidFill>
                   <a:srgbClr val="C00000"/>
                 </a:solidFill>
+                <a:effectLst>
+                  <a:outerShdw blurRad="38100" dist="38100" dir="2700000" algn="tl">
+                    <a:srgbClr val="000000">
+                      <a:alpha val="43137"/>
+                    </a:srgbClr>
+                  </a:outerShdw>
+                </a:effectLst>
                 <a:latin typeface="Oxygen" panose="02000503000000000000" pitchFamily="2" charset="0"/>
               </a:rPr>
               <a:t>CLAT, LLB, LLM</a:t>
@@ -4683,6 +4863,13 @@
                 <a:solidFill>
                   <a:srgbClr val="C00000"/>
                 </a:solidFill>
+                <a:effectLst>
+                  <a:outerShdw blurRad="38100" dist="38100" dir="2700000" algn="tl">
+                    <a:srgbClr val="000000">
+                      <a:alpha val="43137"/>
+                    </a:srgbClr>
+                  </a:outerShdw>
+                </a:effectLst>
                 <a:latin typeface="Oxygen" panose="02000503000000000000" pitchFamily="2" charset="0"/>
               </a:rPr>
               <a:t>Grooming, IELTS, TOEFL, Foreign Languages</a:t>
@@ -4691,6 +4878,13 @@
               <a:solidFill>
                 <a:srgbClr val="C00000"/>
               </a:solidFill>
+              <a:effectLst>
+                <a:outerShdw blurRad="38100" dist="38100" dir="2700000" algn="tl">
+                  <a:srgbClr val="000000">
+                    <a:alpha val="43137"/>
+                  </a:srgbClr>
+                </a:outerShdw>
+              </a:effectLst>
               <a:latin typeface="Oxygen" panose="02000503000000000000" pitchFamily="2" charset="0"/>
             </a:endParaRPr>
           </a:p>
@@ -4939,7 +5133,15 @@
           <a:lstStyle/>
           <a:p>
             <a:pPr algn="ctr"/>
-            <a:endParaRPr lang="en-AU"/>
+            <a:endParaRPr lang="en-AU" b="1">
+              <a:effectLst>
+                <a:outerShdw blurRad="38100" dist="38100" dir="2700000" algn="tl">
+                  <a:srgbClr val="000000">
+                    <a:alpha val="43137"/>
+                  </a:srgbClr>
+                </a:outerShdw>
+              </a:effectLst>
+            </a:endParaRPr>
           </a:p>
         </p:txBody>
       </p:sp>
@@ -4976,14 +5178,28 @@
                 <a:solidFill>
                   <a:srgbClr val="0000FF"/>
                 </a:solidFill>
+                <a:effectLst>
+                  <a:outerShdw blurRad="38100" dist="38100" dir="2700000" algn="tl">
+                    <a:srgbClr val="000000">
+                      <a:alpha val="43137"/>
+                    </a:srgbClr>
+                  </a:outerShdw>
+                </a:effectLst>
                 <a:latin typeface="Oxygen" panose="02000503000000000000" pitchFamily="2" charset="0"/>
               </a:rPr>
               <a:t>www.anodiam.com    ||    anirban@anodiam.com</a:t>
             </a:r>
-            <a:endParaRPr lang="en-AU" sz="4800" dirty="0">
+            <a:endParaRPr lang="en-AU" sz="4800" b="1" dirty="0">
               <a:solidFill>
                 <a:srgbClr val="0000FF"/>
               </a:solidFill>
+              <a:effectLst>
+                <a:outerShdw blurRad="38100" dist="38100" dir="2700000" algn="tl">
+                  <a:srgbClr val="000000">
+                    <a:alpha val="43137"/>
+                  </a:srgbClr>
+                </a:outerShdw>
+              </a:effectLst>
             </a:endParaRPr>
           </a:p>
         </p:txBody>
@@ -5023,6 +5239,13 @@
             </a:pPr>
             <a:r>
               <a:rPr lang="en-US" sz="5400" b="1" cap="small" dirty="0">
+                <a:effectLst>
+                  <a:outerShdw blurRad="38100" dist="38100" dir="2700000" algn="tl">
+                    <a:srgbClr val="000000">
+                      <a:alpha val="43137"/>
+                    </a:srgbClr>
+                  </a:outerShdw>
+                </a:effectLst>
                 <a:latin typeface="Oxygen" panose="02000503000000000000" pitchFamily="2" charset="0"/>
               </a:rPr>
               <a:t>Globally experienced faculty from prestigious organizations, fun learning</a:t>
@@ -5036,6 +5259,13 @@
             </a:pPr>
             <a:r>
               <a:rPr lang="en-US" sz="5400" b="1" cap="small" dirty="0">
+                <a:effectLst>
+                  <a:outerShdw blurRad="38100" dist="38100" dir="2700000" algn="tl">
+                    <a:srgbClr val="000000">
+                      <a:alpha val="43137"/>
+                    </a:srgbClr>
+                  </a:outerShdw>
+                </a:effectLst>
                 <a:latin typeface="Oxygen" panose="02000503000000000000" pitchFamily="2" charset="0"/>
               </a:rPr>
               <a:t>Project-based, Job-Focused, Certification-Help, Smart Classrooms, AC, CCTV</a:t>
@@ -5089,10 +5319,10 @@
                       <a:alpha val="40000"/>
                     </a:srgbClr>
                   </a:glow>
-                  <a:outerShdw dist="38100" dir="5400000" sy="-20000" rotWithShape="0">
-                    <a:prstClr val="black">
-                      <a:alpha val="0"/>
-                    </a:prstClr>
+                  <a:outerShdw blurRad="38100" dist="38100" dir="2700000" algn="tl">
+                    <a:srgbClr val="000000">
+                      <a:alpha val="43137"/>
+                    </a:srgbClr>
                   </a:outerShdw>
                 </a:effectLst>
                 <a:latin typeface="Oxygen" panose="02000503000000000000" pitchFamily="2" charset="0"/>
@@ -5115,10 +5345,10 @@
                     <a:alpha val="40000"/>
                   </a:srgbClr>
                 </a:glow>
-                <a:outerShdw dist="38100" dir="5400000" sy="-20000" rotWithShape="0">
-                  <a:prstClr val="black">
-                    <a:alpha val="0"/>
-                  </a:prstClr>
+                <a:outerShdw blurRad="38100" dist="38100" dir="2700000" algn="tl">
+                  <a:srgbClr val="000000">
+                    <a:alpha val="43137"/>
+                  </a:srgbClr>
                 </a:outerShdw>
               </a:effectLst>
               <a:latin typeface="Oxygen" panose="02000503000000000000" pitchFamily="2" charset="0"/>
@@ -5171,10 +5401,10 @@
                       <a:alpha val="40000"/>
                     </a:srgbClr>
                   </a:glow>
-                  <a:outerShdw dist="38100" dir="5400000" sy="-20000" rotWithShape="0">
-                    <a:prstClr val="black">
-                      <a:alpha val="0"/>
-                    </a:prstClr>
+                  <a:outerShdw blurRad="38100" dist="38100" dir="2700000" algn="tl">
+                    <a:srgbClr val="000000">
+                      <a:alpha val="43137"/>
+                    </a:srgbClr>
                   </a:outerShdw>
                 </a:effectLst>
                 <a:latin typeface="Oxygen" panose="02000503000000000000" pitchFamily="2" charset="0"/>
@@ -5197,10 +5427,10 @@
                     <a:alpha val="40000"/>
                   </a:srgbClr>
                 </a:glow>
-                <a:outerShdw dist="38100" dir="5400000" sy="-20000" rotWithShape="0">
-                  <a:prstClr val="black">
-                    <a:alpha val="0"/>
-                  </a:prstClr>
+                <a:outerShdw blurRad="38100" dist="38100" dir="2700000" algn="tl">
+                  <a:srgbClr val="000000">
+                    <a:alpha val="43137"/>
+                  </a:srgbClr>
                 </a:outerShdw>
               </a:effectLst>
               <a:latin typeface="Oxygen" panose="02000503000000000000" pitchFamily="2" charset="0"/>
@@ -5304,10 +5534,10 @@
                       <a:alpha val="40000"/>
                     </a:srgbClr>
                   </a:glow>
-                  <a:outerShdw dist="38100" dir="5400000" sy="-20000" rotWithShape="0">
-                    <a:prstClr val="black">
-                      <a:alpha val="0"/>
-                    </a:prstClr>
+                  <a:outerShdw blurRad="38100" dist="38100" dir="2700000" algn="tl">
+                    <a:srgbClr val="000000">
+                      <a:alpha val="43137"/>
+                    </a:srgbClr>
                   </a:outerShdw>
                 </a:effectLst>
                 <a:latin typeface="Oxygen" panose="02000503000000000000" pitchFamily="2" charset="0"/>
@@ -5330,10 +5560,10 @@
                     <a:alpha val="40000"/>
                   </a:srgbClr>
                 </a:glow>
-                <a:outerShdw dist="38100" dir="5400000" sy="-20000" rotWithShape="0">
-                  <a:prstClr val="black">
-                    <a:alpha val="0"/>
-                  </a:prstClr>
+                <a:outerShdw blurRad="38100" dist="38100" dir="2700000" algn="tl">
+                  <a:srgbClr val="000000">
+                    <a:alpha val="43137"/>
+                  </a:srgbClr>
                 </a:outerShdw>
               </a:effectLst>
               <a:latin typeface="Oxygen" panose="02000503000000000000" pitchFamily="2" charset="0"/>
@@ -5443,6 +5673,13 @@
                 <a:solidFill>
                   <a:schemeClr val="bg1"/>
                 </a:solidFill>
+                <a:effectLst>
+                  <a:outerShdw blurRad="38100" dist="38100" dir="2700000" algn="tl">
+                    <a:srgbClr val="000000">
+                      <a:alpha val="43137"/>
+                    </a:srgbClr>
+                  </a:outerShdw>
+                </a:effectLst>
                 <a:latin typeface="Oxygen" panose="02000503000000000000" pitchFamily="2" charset="0"/>
               </a:rPr>
               <a:t>Upto</a:t>
@@ -5452,6 +5689,13 @@
                 <a:solidFill>
                   <a:schemeClr val="bg1"/>
                 </a:solidFill>
+                <a:effectLst>
+                  <a:outerShdw blurRad="38100" dist="38100" dir="2700000" algn="tl">
+                    <a:srgbClr val="000000">
+                      <a:alpha val="43137"/>
+                    </a:srgbClr>
+                  </a:outerShdw>
+                </a:effectLst>
                 <a:latin typeface="Oxygen" panose="02000503000000000000" pitchFamily="2" charset="0"/>
               </a:rPr>
               <a:t> </a:t>
@@ -5461,6 +5705,13 @@
                 <a:solidFill>
                   <a:schemeClr val="bg1"/>
                 </a:solidFill>
+                <a:effectLst>
+                  <a:outerShdw blurRad="38100" dist="38100" dir="2700000" algn="tl">
+                    <a:srgbClr val="000000">
+                      <a:alpha val="43137"/>
+                    </a:srgbClr>
+                  </a:outerShdw>
+                </a:effectLst>
                 <a:latin typeface="Oxygen" panose="02000503000000000000" pitchFamily="2" charset="0"/>
               </a:rPr>
               <a:t>50%</a:t>
@@ -5470,6 +5721,13 @@
                 <a:solidFill>
                   <a:schemeClr val="bg1"/>
                 </a:solidFill>
+                <a:effectLst>
+                  <a:outerShdw blurRad="38100" dist="38100" dir="2700000" algn="tl">
+                    <a:srgbClr val="000000">
+                      <a:alpha val="43137"/>
+                    </a:srgbClr>
+                  </a:outerShdw>
+                </a:effectLst>
                 <a:latin typeface="Oxygen" panose="02000503000000000000" pitchFamily="2" charset="0"/>
               </a:rPr>
               <a:t> </a:t>
@@ -5479,6 +5737,13 @@
                 <a:solidFill>
                   <a:schemeClr val="bg1"/>
                 </a:solidFill>
+                <a:effectLst>
+                  <a:outerShdw blurRad="38100" dist="38100" dir="2700000" algn="tl">
+                    <a:srgbClr val="000000">
+                      <a:alpha val="43137"/>
+                    </a:srgbClr>
+                  </a:outerShdw>
+                </a:effectLst>
                 <a:latin typeface="Oxygen" panose="02000503000000000000" pitchFamily="2" charset="0"/>
               </a:rPr>
               <a:t>Off</a:t>
@@ -5488,6 +5753,13 @@
                 <a:solidFill>
                   <a:schemeClr val="bg1"/>
                 </a:solidFill>
+                <a:effectLst>
+                  <a:outerShdw blurRad="38100" dist="38100" dir="2700000" algn="tl">
+                    <a:srgbClr val="000000">
+                      <a:alpha val="43137"/>
+                    </a:srgbClr>
+                  </a:outerShdw>
+                </a:effectLst>
                 <a:latin typeface="Oxygen" panose="02000503000000000000" pitchFamily="2" charset="0"/>
               </a:rPr>
               <a:t> </a:t>
@@ -5500,6 +5772,13 @@
                 <a:solidFill>
                   <a:schemeClr val="bg1"/>
                 </a:solidFill>
+                <a:effectLst>
+                  <a:outerShdw blurRad="38100" dist="38100" dir="2700000" algn="tl">
+                    <a:srgbClr val="000000">
+                      <a:alpha val="43137"/>
+                    </a:srgbClr>
+                  </a:outerShdw>
+                </a:effectLst>
                 <a:latin typeface="Oxygen" panose="02000503000000000000" pitchFamily="2" charset="0"/>
               </a:rPr>
               <a:t>T&amp;C Apply</a:t>
@@ -5508,6 +5787,13 @@
               <a:solidFill>
                 <a:schemeClr val="bg1"/>
               </a:solidFill>
+              <a:effectLst>
+                <a:outerShdw blurRad="38100" dist="38100" dir="2700000" algn="tl">
+                  <a:srgbClr val="000000">
+                    <a:alpha val="43137"/>
+                  </a:srgbClr>
+                </a:outerShdw>
+              </a:effectLst>
               <a:latin typeface="Oxygen" panose="02000503000000000000" pitchFamily="2" charset="0"/>
             </a:endParaRPr>
           </a:p>
@@ -5699,7 +5985,15 @@
           <a:lstStyle/>
           <a:p>
             <a:pPr algn="ctr"/>
-            <a:endParaRPr lang="en-US"/>
+            <a:endParaRPr lang="en-US" b="1">
+              <a:effectLst>
+                <a:outerShdw blurRad="38100" dist="38100" dir="2700000" algn="tl">
+                  <a:srgbClr val="000000">
+                    <a:alpha val="43137"/>
+                  </a:srgbClr>
+                </a:outerShdw>
+              </a:effectLst>
+            </a:endParaRPr>
           </a:p>
         </p:txBody>
       </p:sp>
@@ -5735,6 +6029,13 @@
                 <a:solidFill>
                   <a:srgbClr val="002060"/>
                 </a:solidFill>
+                <a:effectLst>
+                  <a:outerShdw blurRad="38100" dist="38100" dir="2700000" algn="tl">
+                    <a:srgbClr val="000000">
+                      <a:alpha val="43137"/>
+                    </a:srgbClr>
+                  </a:outerShdw>
+                </a:effectLst>
                 <a:latin typeface="Oxygen" panose="02000503000000000000" pitchFamily="2" charset="0"/>
               </a:rPr>
               <a:t>App Download</a:t>
@@ -6131,7 +6432,15 @@
           <a:lstStyle/>
           <a:p>
             <a:pPr algn="ctr"/>
-            <a:endParaRPr lang="en-US"/>
+            <a:endParaRPr lang="en-US" b="1">
+              <a:effectLst>
+                <a:outerShdw blurRad="38100" dist="38100" dir="2700000" algn="tl">
+                  <a:srgbClr val="000000">
+                    <a:alpha val="43137"/>
+                  </a:srgbClr>
+                </a:outerShdw>
+              </a:effectLst>
+            </a:endParaRPr>
           </a:p>
         </p:txBody>
       </p:sp>
@@ -6214,6 +6523,13 @@
                 <a:solidFill>
                   <a:srgbClr val="002060"/>
                 </a:solidFill>
+                <a:effectLst>
+                  <a:outerShdw blurRad="38100" dist="38100" dir="2700000" algn="tl">
+                    <a:srgbClr val="000000">
+                      <a:alpha val="43137"/>
+                    </a:srgbClr>
+                  </a:outerShdw>
+                </a:effectLst>
                 <a:latin typeface="Oxygen" panose="02000503000000000000" pitchFamily="2" charset="0"/>
               </a:rPr>
               <a:t>Follow</a:t>
@@ -6225,6 +6541,13 @@
                 <a:solidFill>
                   <a:srgbClr val="002060"/>
                 </a:solidFill>
+                <a:effectLst>
+                  <a:outerShdw blurRad="38100" dist="38100" dir="2700000" algn="tl">
+                    <a:srgbClr val="000000">
+                      <a:alpha val="43137"/>
+                    </a:srgbClr>
+                  </a:outerShdw>
+                </a:effectLst>
                 <a:latin typeface="Oxygen" panose="02000503000000000000" pitchFamily="2" charset="0"/>
               </a:rPr>
               <a:t>for Discount</a:t>
@@ -6419,6 +6742,13 @@
                 <a:solidFill>
                   <a:srgbClr val="C00000"/>
                 </a:solidFill>
+                <a:effectLst>
+                  <a:outerShdw blurRad="38100" dist="38100" dir="2700000" algn="tl">
+                    <a:srgbClr val="000000">
+                      <a:alpha val="43137"/>
+                    </a:srgbClr>
+                  </a:outerShdw>
+                </a:effectLst>
                 <a:latin typeface="Oxygen" panose="02000503000000000000" pitchFamily="2" charset="0"/>
               </a:rPr>
               <a:t>AI, IoT-Robotics, Coding – Class III-XII</a:t>
@@ -6435,6 +6765,13 @@
                 <a:solidFill>
                   <a:srgbClr val="C00000"/>
                 </a:solidFill>
+                <a:effectLst>
+                  <a:outerShdw blurRad="38100" dist="38100" dir="2700000" algn="tl">
+                    <a:srgbClr val="000000">
+                      <a:alpha val="43137"/>
+                    </a:srgbClr>
+                  </a:outerShdw>
+                </a:effectLst>
                 <a:latin typeface="Oxygen" panose="02000503000000000000" pitchFamily="2" charset="0"/>
               </a:rPr>
               <a:t>IT &amp; AI Professional Training &amp; Projects</a:t>
@@ -6446,6 +6783,13 @@
               <a:solidFill>
                 <a:srgbClr val="C00000"/>
               </a:solidFill>
+              <a:effectLst>
+                <a:outerShdw blurRad="38100" dist="38100" dir="2700000" algn="tl">
+                  <a:srgbClr val="000000">
+                    <a:alpha val="43137"/>
+                  </a:srgbClr>
+                </a:outerShdw>
+              </a:effectLst>
               <a:latin typeface="Oxygen" panose="02000503000000000000" pitchFamily="2" charset="0"/>
             </a:endParaRPr>
           </a:p>
@@ -6460,6 +6804,13 @@
                 <a:solidFill>
                   <a:srgbClr val="C00000"/>
                 </a:solidFill>
+                <a:effectLst>
+                  <a:outerShdw blurRad="38100" dist="38100" dir="2700000" algn="tl">
+                    <a:srgbClr val="000000">
+                      <a:alpha val="43137"/>
+                    </a:srgbClr>
+                  </a:outerShdw>
+                </a:effectLst>
                 <a:latin typeface="Oxygen" panose="02000503000000000000" pitchFamily="2" charset="0"/>
               </a:rPr>
               <a:t>Data Science, Computer Vision, NLP, DSP, Python</a:t>
@@ -6476,6 +6827,13 @@
                 <a:solidFill>
                   <a:srgbClr val="C00000"/>
                 </a:solidFill>
+                <a:effectLst>
+                  <a:outerShdw blurRad="38100" dist="38100" dir="2700000" algn="tl">
+                    <a:srgbClr val="000000">
+                      <a:alpha val="43137"/>
+                    </a:srgbClr>
+                  </a:outerShdw>
+                </a:effectLst>
                 <a:latin typeface="Oxygen" panose="02000503000000000000" pitchFamily="2" charset="0"/>
               </a:rPr>
               <a:t>Data Analytics, C, C++, IoT, Robotics</a:t>
@@ -6492,6 +6850,13 @@
                 <a:solidFill>
                   <a:srgbClr val="C00000"/>
                 </a:solidFill>
+                <a:effectLst>
+                  <a:outerShdw blurRad="38100" dist="38100" dir="2700000" algn="tl">
+                    <a:srgbClr val="000000">
+                      <a:alpha val="43137"/>
+                    </a:srgbClr>
+                  </a:outerShdw>
+                </a:effectLst>
                 <a:latin typeface="Oxygen" panose="02000503000000000000" pitchFamily="2" charset="0"/>
               </a:rPr>
               <a:t>Java, .NET, JavaScript, ReactJS, Native, PHP</a:t>
@@ -6508,6 +6873,13 @@
                 <a:solidFill>
                   <a:srgbClr val="C00000"/>
                 </a:solidFill>
+                <a:effectLst>
+                  <a:outerShdw blurRad="38100" dist="38100" dir="2700000" algn="tl">
+                    <a:srgbClr val="000000">
+                      <a:alpha val="43137"/>
+                    </a:srgbClr>
+                  </a:outerShdw>
+                </a:effectLst>
                 <a:latin typeface="Oxygen" panose="02000503000000000000" pitchFamily="2" charset="0"/>
               </a:rPr>
               <a:t>DevOps, Docker, Kubernetes, Cloud</a:t>
@@ -6524,6 +6896,13 @@
                 <a:solidFill>
                   <a:srgbClr val="C00000"/>
                 </a:solidFill>
+                <a:effectLst>
+                  <a:outerShdw blurRad="38100" dist="38100" dir="2700000" algn="tl">
+                    <a:srgbClr val="000000">
+                      <a:alpha val="43137"/>
+                    </a:srgbClr>
+                  </a:outerShdw>
+                </a:effectLst>
                 <a:latin typeface="Oxygen" panose="02000503000000000000" pitchFamily="2" charset="0"/>
               </a:rPr>
               <a:t>Database, Firebase, Cyber Security, Automation Test</a:t>
@@ -6540,6 +6919,13 @@
                 <a:solidFill>
                   <a:srgbClr val="C00000"/>
                 </a:solidFill>
+                <a:effectLst>
+                  <a:outerShdw blurRad="38100" dist="38100" dir="2700000" algn="tl">
+                    <a:srgbClr val="000000">
+                      <a:alpha val="43137"/>
+                    </a:srgbClr>
+                  </a:outerShdw>
+                </a:effectLst>
                 <a:latin typeface="Oxygen" panose="02000503000000000000" pitchFamily="2" charset="0"/>
               </a:rPr>
               <a:t>Pmp, Agile, Office, Adv Excel, Tally, Html, Css</a:t>
@@ -6548,6 +6934,13 @@
               <a:solidFill>
                 <a:srgbClr val="C00000"/>
               </a:solidFill>
+              <a:effectLst>
+                <a:outerShdw blurRad="38100" dist="38100" dir="2700000" algn="tl">
+                  <a:srgbClr val="000000">
+                    <a:alpha val="43137"/>
+                  </a:srgbClr>
+                </a:outerShdw>
+              </a:effectLst>
               <a:latin typeface="Oxygen" panose="02000503000000000000" pitchFamily="2" charset="0"/>
             </a:endParaRPr>
           </a:p>
